--- a/markers/markers.pptx
+++ b/markers/markers.pptx
@@ -254,7 +254,7 @@
           <a:lstStyle/>
           <a:p>
             <a:fld id="{42045E90-8CBE-D14C-9EFB-EE6572D300B9}" type="datetimeFigureOut">
-              <a:t>2019/7/26</a:t>
+              <a:t>2019/8/1</a:t>
             </a:fld>
             <a:endParaRPr kumimoji="1" lang="ja-JP" altLang="en-US"/>
           </a:p>
@@ -454,7 +454,7 @@
           <a:lstStyle/>
           <a:p>
             <a:fld id="{42045E90-8CBE-D14C-9EFB-EE6572D300B9}" type="datetimeFigureOut">
-              <a:t>2019/7/26</a:t>
+              <a:t>2019/8/1</a:t>
             </a:fld>
             <a:endParaRPr kumimoji="1" lang="ja-JP" altLang="en-US"/>
           </a:p>
@@ -664,7 +664,7 @@
           <a:lstStyle/>
           <a:p>
             <a:fld id="{42045E90-8CBE-D14C-9EFB-EE6572D300B9}" type="datetimeFigureOut">
-              <a:t>2019/7/26</a:t>
+              <a:t>2019/8/1</a:t>
             </a:fld>
             <a:endParaRPr kumimoji="1" lang="ja-JP" altLang="en-US"/>
           </a:p>
@@ -864,7 +864,7 @@
           <a:lstStyle/>
           <a:p>
             <a:fld id="{42045E90-8CBE-D14C-9EFB-EE6572D300B9}" type="datetimeFigureOut">
-              <a:t>2019/7/26</a:t>
+              <a:t>2019/8/1</a:t>
             </a:fld>
             <a:endParaRPr kumimoji="1" lang="ja-JP" altLang="en-US"/>
           </a:p>
@@ -1106,7 +1106,7 @@
           <a:lstStyle/>
           <a:p>
             <a:fld id="{42045E90-8CBE-D14C-9EFB-EE6572D300B9}" type="datetimeFigureOut">
-              <a:t>2019/7/26</a:t>
+              <a:t>2019/8/1</a:t>
             </a:fld>
             <a:endParaRPr kumimoji="1" lang="ja-JP" altLang="en-US"/>
           </a:p>
@@ -1400,7 +1400,7 @@
           <a:lstStyle/>
           <a:p>
             <a:fld id="{42045E90-8CBE-D14C-9EFB-EE6572D300B9}" type="datetimeFigureOut">
-              <a:t>2019/7/26</a:t>
+              <a:t>2019/8/1</a:t>
             </a:fld>
             <a:endParaRPr kumimoji="1" lang="ja-JP" altLang="en-US"/>
           </a:p>
@@ -1829,7 +1829,7 @@
           <a:lstStyle/>
           <a:p>
             <a:fld id="{42045E90-8CBE-D14C-9EFB-EE6572D300B9}" type="datetimeFigureOut">
-              <a:t>2019/7/26</a:t>
+              <a:t>2019/8/1</a:t>
             </a:fld>
             <a:endParaRPr kumimoji="1" lang="ja-JP" altLang="en-US"/>
           </a:p>
@@ -1945,7 +1945,7 @@
           <a:lstStyle/>
           <a:p>
             <a:fld id="{42045E90-8CBE-D14C-9EFB-EE6572D300B9}" type="datetimeFigureOut">
-              <a:t>2019/7/26</a:t>
+              <a:t>2019/8/1</a:t>
             </a:fld>
             <a:endParaRPr kumimoji="1" lang="ja-JP" altLang="en-US"/>
           </a:p>
@@ -2038,7 +2038,7 @@
           <a:lstStyle/>
           <a:p>
             <a:fld id="{42045E90-8CBE-D14C-9EFB-EE6572D300B9}" type="datetimeFigureOut">
-              <a:t>2019/7/26</a:t>
+              <a:t>2019/8/1</a:t>
             </a:fld>
             <a:endParaRPr kumimoji="1" lang="ja-JP" altLang="en-US"/>
           </a:p>
@@ -2345,7 +2345,7 @@
           <a:lstStyle/>
           <a:p>
             <a:fld id="{42045E90-8CBE-D14C-9EFB-EE6572D300B9}" type="datetimeFigureOut">
-              <a:t>2019/7/26</a:t>
+              <a:t>2019/8/1</a:t>
             </a:fld>
             <a:endParaRPr kumimoji="1" lang="ja-JP" altLang="en-US"/>
           </a:p>
@@ -2600,7 +2600,7 @@
           <a:lstStyle/>
           <a:p>
             <a:fld id="{42045E90-8CBE-D14C-9EFB-EE6572D300B9}" type="datetimeFigureOut">
-              <a:t>2019/7/26</a:t>
+              <a:t>2019/8/1</a:t>
             </a:fld>
             <a:endParaRPr kumimoji="1" lang="ja-JP" altLang="en-US"/>
           </a:p>
@@ -2843,7 +2843,7 @@
           </a:lstStyle>
           <a:p>
             <a:fld id="{42045E90-8CBE-D14C-9EFB-EE6572D300B9}" type="datetimeFigureOut">
-              <a:t>2019/7/26</a:t>
+              <a:t>2019/8/1</a:t>
             </a:fld>
             <a:endParaRPr kumimoji="1" lang="ja-JP" altLang="en-US"/>
           </a:p>
@@ -3247,274 +3247,357 @@
           <a:chExt cx="0" cy="0"/>
         </a:xfrm>
       </p:grpSpPr>
-      <p:sp>
-        <p:nvSpPr>
-          <p:cNvPr id="14" name="テキスト ボックス 13">
+      <p:grpSp>
+        <p:nvGrpSpPr>
+          <p:cNvPr id="4" name="グループ化 3">
             <a:extLst>
               <a:ext uri="{FF2B5EF4-FFF2-40B4-BE49-F238E27FC236}">
-                <a16:creationId xmlns:a16="http://schemas.microsoft.com/office/drawing/2014/main" id="{549F26BC-542E-804E-924E-F066121A2006}"/>
+                <a16:creationId xmlns:a16="http://schemas.microsoft.com/office/drawing/2014/main" id="{00023947-2F2E-EB48-8D9E-E7401FA67FAB}"/>
               </a:ext>
             </a:extLst>
           </p:cNvPr>
-          <p:cNvSpPr txBox="1"/>
+          <p:cNvGrpSpPr/>
           <p:nvPr/>
-        </p:nvSpPr>
-        <p:spPr>
+        </p:nvGrpSpPr>
+        <p:grpSpPr>
           <a:xfrm>
-            <a:off x="583323" y="212185"/>
-            <a:ext cx="914400" cy="369332"/>
+            <a:off x="5538077" y="8266668"/>
+            <a:ext cx="1270000" cy="1639332"/>
+            <a:chOff x="405523" y="581517"/>
+            <a:chExt cx="1270000" cy="1639332"/>
           </a:xfrm>
-          <a:prstGeom prst="rect">
-            <a:avLst/>
-          </a:prstGeom>
-          <a:noFill/>
-        </p:spPr>
-        <p:txBody>
-          <a:bodyPr wrap="square" rtlCol="0">
-            <a:spAutoFit/>
-          </a:bodyPr>
-          <a:lstStyle/>
-          <a:p>
-            <a:pPr algn="ctr"/>
-            <a:r>
-              <a:rPr kumimoji="1" lang="en-US" altLang="ja-JP"/>
-              <a:t>id = 2</a:t>
-            </a:r>
-            <a:endParaRPr kumimoji="1" lang="ja-JP" altLang="en-US"/>
-          </a:p>
-        </p:txBody>
-      </p:sp>
-      <p:pic>
-        <p:nvPicPr>
-          <p:cNvPr id="16" name="図 15">
+        </p:grpSpPr>
+        <p:sp>
+          <p:nvSpPr>
+            <p:cNvPr id="14" name="テキスト ボックス 13">
+              <a:extLst>
+                <a:ext uri="{FF2B5EF4-FFF2-40B4-BE49-F238E27FC236}">
+                  <a16:creationId xmlns:a16="http://schemas.microsoft.com/office/drawing/2014/main" id="{549F26BC-542E-804E-924E-F066121A2006}"/>
+                </a:ext>
+              </a:extLst>
+            </p:cNvPr>
+            <p:cNvSpPr txBox="1"/>
+            <p:nvPr/>
+          </p:nvSpPr>
+          <p:spPr>
+            <a:xfrm>
+              <a:off x="583323" y="1851517"/>
+              <a:ext cx="914400" cy="369332"/>
+            </a:xfrm>
+            <a:prstGeom prst="rect">
+              <a:avLst/>
+            </a:prstGeom>
+            <a:noFill/>
+          </p:spPr>
+          <p:txBody>
+            <a:bodyPr wrap="square" rtlCol="0">
+              <a:spAutoFit/>
+            </a:bodyPr>
+            <a:lstStyle/>
+            <a:p>
+              <a:pPr algn="ctr"/>
+              <a:r>
+                <a:rPr kumimoji="1" lang="en-US" altLang="ja-JP"/>
+                <a:t>id = 2</a:t>
+              </a:r>
+              <a:endParaRPr kumimoji="1" lang="ja-JP" altLang="en-US"/>
+            </a:p>
+          </p:txBody>
+        </p:sp>
+        <p:pic>
+          <p:nvPicPr>
+            <p:cNvPr id="18" name="図 17">
+              <a:extLst>
+                <a:ext uri="{FF2B5EF4-FFF2-40B4-BE49-F238E27FC236}">
+                  <a16:creationId xmlns:a16="http://schemas.microsoft.com/office/drawing/2014/main" id="{8BDFBEAE-FD7D-1541-9569-2C65F819351A}"/>
+                </a:ext>
+              </a:extLst>
+            </p:cNvPr>
+            <p:cNvPicPr>
+              <a:picLocks noChangeAspect="1"/>
+            </p:cNvPicPr>
+            <p:nvPr/>
+          </p:nvPicPr>
+          <p:blipFill>
+            <a:blip r:embed="rId2"/>
+            <a:stretch>
+              <a:fillRect/>
+            </a:stretch>
+          </p:blipFill>
+          <p:spPr>
+            <a:xfrm>
+              <a:off x="405523" y="581517"/>
+              <a:ext cx="1270000" cy="1270000"/>
+            </a:xfrm>
+            <a:prstGeom prst="rect">
+              <a:avLst/>
+            </a:prstGeom>
+          </p:spPr>
+        </p:pic>
+      </p:grpSp>
+      <p:grpSp>
+        <p:nvGrpSpPr>
+          <p:cNvPr id="5" name="グループ化 4">
             <a:extLst>
               <a:ext uri="{FF2B5EF4-FFF2-40B4-BE49-F238E27FC236}">
-                <a16:creationId xmlns:a16="http://schemas.microsoft.com/office/drawing/2014/main" id="{E2D03DC3-E92F-F640-BAF1-29881E41CB36}"/>
+                <a16:creationId xmlns:a16="http://schemas.microsoft.com/office/drawing/2014/main" id="{EC1B7934-0593-8546-96B1-5C31C51D8D3B}"/>
               </a:ext>
             </a:extLst>
           </p:cNvPr>
-          <p:cNvPicPr>
-            <a:picLocks noChangeAspect="1"/>
-          </p:cNvPicPr>
+          <p:cNvGrpSpPr/>
           <p:nvPr/>
-        </p:nvPicPr>
-        <p:blipFill>
-          <a:blip r:embed="rId2"/>
-          <a:stretch>
-            <a:fillRect/>
-          </a:stretch>
-        </p:blipFill>
-        <p:spPr>
+        </p:nvGrpSpPr>
+        <p:grpSpPr>
           <a:xfrm>
-            <a:off x="5182477" y="581517"/>
-            <a:ext cx="1270000" cy="1270000"/>
+            <a:off x="49923" y="0"/>
+            <a:ext cx="1270000" cy="1639332"/>
+            <a:chOff x="5360277" y="212185"/>
+            <a:chExt cx="1270000" cy="1639332"/>
           </a:xfrm>
-          <a:prstGeom prst="rect">
-            <a:avLst/>
-          </a:prstGeom>
-        </p:spPr>
-      </p:pic>
-      <p:pic>
-        <p:nvPicPr>
-          <p:cNvPr id="18" name="図 17">
+        </p:grpSpPr>
+        <p:pic>
+          <p:nvPicPr>
+            <p:cNvPr id="16" name="図 15">
+              <a:extLst>
+                <a:ext uri="{FF2B5EF4-FFF2-40B4-BE49-F238E27FC236}">
+                  <a16:creationId xmlns:a16="http://schemas.microsoft.com/office/drawing/2014/main" id="{E2D03DC3-E92F-F640-BAF1-29881E41CB36}"/>
+                </a:ext>
+              </a:extLst>
+            </p:cNvPr>
+            <p:cNvPicPr>
+              <a:picLocks noChangeAspect="1"/>
+            </p:cNvPicPr>
+            <p:nvPr/>
+          </p:nvPicPr>
+          <p:blipFill>
+            <a:blip r:embed="rId3"/>
+            <a:stretch>
+              <a:fillRect/>
+            </a:stretch>
+          </p:blipFill>
+          <p:spPr>
+            <a:xfrm>
+              <a:off x="5360277" y="581517"/>
+              <a:ext cx="1270000" cy="1270000"/>
+            </a:xfrm>
+            <a:prstGeom prst="rect">
+              <a:avLst/>
+            </a:prstGeom>
+          </p:spPr>
+        </p:pic>
+        <p:sp>
+          <p:nvSpPr>
+            <p:cNvPr id="19" name="テキスト ボックス 18">
+              <a:extLst>
+                <a:ext uri="{FF2B5EF4-FFF2-40B4-BE49-F238E27FC236}">
+                  <a16:creationId xmlns:a16="http://schemas.microsoft.com/office/drawing/2014/main" id="{EDA366C7-492A-EC42-9D24-B549D2A89E85}"/>
+                </a:ext>
+              </a:extLst>
+            </p:cNvPr>
+            <p:cNvSpPr txBox="1"/>
+            <p:nvPr/>
+          </p:nvSpPr>
+          <p:spPr>
+            <a:xfrm>
+              <a:off x="5538077" y="212185"/>
+              <a:ext cx="914400" cy="369332"/>
+            </a:xfrm>
+            <a:prstGeom prst="rect">
+              <a:avLst/>
+            </a:prstGeom>
+            <a:noFill/>
+          </p:spPr>
+          <p:txBody>
+            <a:bodyPr wrap="square" rtlCol="0">
+              <a:spAutoFit/>
+            </a:bodyPr>
+            <a:lstStyle/>
+            <a:p>
+              <a:pPr algn="ctr"/>
+              <a:r>
+                <a:rPr kumimoji="1" lang="en-US" altLang="ja-JP"/>
+                <a:t>id = 3</a:t>
+              </a:r>
+              <a:endParaRPr kumimoji="1" lang="ja-JP" altLang="en-US"/>
+            </a:p>
+          </p:txBody>
+        </p:sp>
+      </p:grpSp>
+      <p:grpSp>
+        <p:nvGrpSpPr>
+          <p:cNvPr id="2" name="グループ化 1">
             <a:extLst>
               <a:ext uri="{FF2B5EF4-FFF2-40B4-BE49-F238E27FC236}">
-                <a16:creationId xmlns:a16="http://schemas.microsoft.com/office/drawing/2014/main" id="{8BDFBEAE-FD7D-1541-9569-2C65F819351A}"/>
+                <a16:creationId xmlns:a16="http://schemas.microsoft.com/office/drawing/2014/main" id="{C847329F-CEB4-6349-A75E-D80247D2F263}"/>
               </a:ext>
             </a:extLst>
           </p:cNvPr>
-          <p:cNvPicPr>
-            <a:picLocks noChangeAspect="1"/>
-          </p:cNvPicPr>
+          <p:cNvGrpSpPr/>
           <p:nvPr/>
-        </p:nvPicPr>
-        <p:blipFill>
-          <a:blip r:embed="rId3"/>
-          <a:stretch>
-            <a:fillRect/>
-          </a:stretch>
-        </p:blipFill>
-        <p:spPr>
+        </p:nvGrpSpPr>
+        <p:grpSpPr>
           <a:xfrm>
-            <a:off x="405523" y="581517"/>
-            <a:ext cx="1270000" cy="1270000"/>
+            <a:off x="5538077" y="0"/>
+            <a:ext cx="1270000" cy="1639332"/>
+            <a:chOff x="405523" y="7685151"/>
+            <a:chExt cx="1270000" cy="1639332"/>
           </a:xfrm>
-          <a:prstGeom prst="rect">
-            <a:avLst/>
-          </a:prstGeom>
-        </p:spPr>
-      </p:pic>
-      <p:sp>
-        <p:nvSpPr>
-          <p:cNvPr id="19" name="テキスト ボックス 18">
+        </p:grpSpPr>
+        <p:pic>
+          <p:nvPicPr>
+            <p:cNvPr id="21" name="図 20">
+              <a:extLst>
+                <a:ext uri="{FF2B5EF4-FFF2-40B4-BE49-F238E27FC236}">
+                  <a16:creationId xmlns:a16="http://schemas.microsoft.com/office/drawing/2014/main" id="{AC776567-A9A5-BB41-B420-461652057FFE}"/>
+                </a:ext>
+              </a:extLst>
+            </p:cNvPr>
+            <p:cNvPicPr>
+              <a:picLocks noChangeAspect="1"/>
+            </p:cNvPicPr>
+            <p:nvPr/>
+          </p:nvPicPr>
+          <p:blipFill>
+            <a:blip r:embed="rId4"/>
+            <a:stretch>
+              <a:fillRect/>
+            </a:stretch>
+          </p:blipFill>
+          <p:spPr>
+            <a:xfrm>
+              <a:off x="405523" y="8054483"/>
+              <a:ext cx="1270000" cy="1270000"/>
+            </a:xfrm>
+            <a:prstGeom prst="rect">
+              <a:avLst/>
+            </a:prstGeom>
+          </p:spPr>
+        </p:pic>
+        <p:sp>
+          <p:nvSpPr>
+            <p:cNvPr id="22" name="テキスト ボックス 21">
+              <a:extLst>
+                <a:ext uri="{FF2B5EF4-FFF2-40B4-BE49-F238E27FC236}">
+                  <a16:creationId xmlns:a16="http://schemas.microsoft.com/office/drawing/2014/main" id="{DDC566D9-E532-E84F-AFA3-CEB7E4BB98EB}"/>
+                </a:ext>
+              </a:extLst>
+            </p:cNvPr>
+            <p:cNvSpPr txBox="1"/>
+            <p:nvPr/>
+          </p:nvSpPr>
+          <p:spPr>
+            <a:xfrm>
+              <a:off x="583323" y="7685151"/>
+              <a:ext cx="914400" cy="369332"/>
+            </a:xfrm>
+            <a:prstGeom prst="rect">
+              <a:avLst/>
+            </a:prstGeom>
+            <a:noFill/>
+          </p:spPr>
+          <p:txBody>
+            <a:bodyPr wrap="square" rtlCol="0">
+              <a:spAutoFit/>
+            </a:bodyPr>
+            <a:lstStyle/>
+            <a:p>
+              <a:pPr algn="ctr"/>
+              <a:r>
+                <a:rPr kumimoji="1" lang="en-US" altLang="ja-JP"/>
+                <a:t>id = 4</a:t>
+              </a:r>
+              <a:endParaRPr kumimoji="1" lang="ja-JP" altLang="en-US"/>
+            </a:p>
+          </p:txBody>
+        </p:sp>
+      </p:grpSp>
+      <p:grpSp>
+        <p:nvGrpSpPr>
+          <p:cNvPr id="3" name="グループ化 2">
             <a:extLst>
               <a:ext uri="{FF2B5EF4-FFF2-40B4-BE49-F238E27FC236}">
-                <a16:creationId xmlns:a16="http://schemas.microsoft.com/office/drawing/2014/main" id="{EDA366C7-492A-EC42-9D24-B549D2A89E85}"/>
+                <a16:creationId xmlns:a16="http://schemas.microsoft.com/office/drawing/2014/main" id="{C20E4E1A-9536-DE49-9ACA-E85AEB1BD56B}"/>
               </a:ext>
             </a:extLst>
           </p:cNvPr>
-          <p:cNvSpPr txBox="1"/>
+          <p:cNvGrpSpPr/>
           <p:nvPr/>
-        </p:nvSpPr>
-        <p:spPr>
+        </p:nvGrpSpPr>
+        <p:grpSpPr>
           <a:xfrm>
-            <a:off x="5360277" y="212185"/>
-            <a:ext cx="914400" cy="369332"/>
+            <a:off x="49923" y="8266668"/>
+            <a:ext cx="1270000" cy="1639332"/>
+            <a:chOff x="5360277" y="8054483"/>
+            <a:chExt cx="1270000" cy="1639332"/>
           </a:xfrm>
-          <a:prstGeom prst="rect">
-            <a:avLst/>
-          </a:prstGeom>
-          <a:noFill/>
-        </p:spPr>
-        <p:txBody>
-          <a:bodyPr wrap="square" rtlCol="0">
-            <a:spAutoFit/>
-          </a:bodyPr>
-          <a:lstStyle/>
-          <a:p>
-            <a:pPr algn="ctr"/>
-            <a:r>
-              <a:rPr kumimoji="1" lang="en-US" altLang="ja-JP"/>
-              <a:t>id = 3</a:t>
-            </a:r>
-            <a:endParaRPr kumimoji="1" lang="ja-JP" altLang="en-US"/>
-          </a:p>
-        </p:txBody>
-      </p:sp>
-      <p:pic>
-        <p:nvPicPr>
-          <p:cNvPr id="21" name="図 20">
-            <a:extLst>
-              <a:ext uri="{FF2B5EF4-FFF2-40B4-BE49-F238E27FC236}">
-                <a16:creationId xmlns:a16="http://schemas.microsoft.com/office/drawing/2014/main" id="{AC776567-A9A5-BB41-B420-461652057FFE}"/>
-              </a:ext>
-            </a:extLst>
-          </p:cNvPr>
-          <p:cNvPicPr>
-            <a:picLocks noChangeAspect="1"/>
-          </p:cNvPicPr>
-          <p:nvPr/>
-        </p:nvPicPr>
-        <p:blipFill>
-          <a:blip r:embed="rId4"/>
-          <a:stretch>
-            <a:fillRect/>
-          </a:stretch>
-        </p:blipFill>
-        <p:spPr>
-          <a:xfrm>
-            <a:off x="405523" y="8054483"/>
-            <a:ext cx="1270000" cy="1270000"/>
-          </a:xfrm>
-          <a:prstGeom prst="rect">
-            <a:avLst/>
-          </a:prstGeom>
-        </p:spPr>
-      </p:pic>
-      <p:sp>
-        <p:nvSpPr>
-          <p:cNvPr id="22" name="テキスト ボックス 21">
-            <a:extLst>
-              <a:ext uri="{FF2B5EF4-FFF2-40B4-BE49-F238E27FC236}">
-                <a16:creationId xmlns:a16="http://schemas.microsoft.com/office/drawing/2014/main" id="{DDC566D9-E532-E84F-AFA3-CEB7E4BB98EB}"/>
-              </a:ext>
-            </a:extLst>
-          </p:cNvPr>
-          <p:cNvSpPr txBox="1"/>
-          <p:nvPr/>
-        </p:nvSpPr>
-        <p:spPr>
-          <a:xfrm>
-            <a:off x="583323" y="9324483"/>
-            <a:ext cx="914400" cy="369332"/>
-          </a:xfrm>
-          <a:prstGeom prst="rect">
-            <a:avLst/>
-          </a:prstGeom>
-          <a:noFill/>
-        </p:spPr>
-        <p:txBody>
-          <a:bodyPr wrap="square" rtlCol="0">
-            <a:spAutoFit/>
-          </a:bodyPr>
-          <a:lstStyle/>
-          <a:p>
-            <a:pPr algn="ctr"/>
-            <a:r>
-              <a:rPr kumimoji="1" lang="en-US" altLang="ja-JP"/>
-              <a:t>id = 4</a:t>
-            </a:r>
-            <a:endParaRPr kumimoji="1" lang="ja-JP" altLang="en-US"/>
-          </a:p>
-        </p:txBody>
-      </p:sp>
-      <p:pic>
-        <p:nvPicPr>
-          <p:cNvPr id="24" name="図 23">
-            <a:extLst>
-              <a:ext uri="{FF2B5EF4-FFF2-40B4-BE49-F238E27FC236}">
-                <a16:creationId xmlns:a16="http://schemas.microsoft.com/office/drawing/2014/main" id="{C4E5FB7A-8084-8D42-A770-665DE5E52B4C}"/>
-              </a:ext>
-            </a:extLst>
-          </p:cNvPr>
-          <p:cNvPicPr>
-            <a:picLocks noChangeAspect="1"/>
-          </p:cNvPicPr>
-          <p:nvPr/>
-        </p:nvPicPr>
-        <p:blipFill>
-          <a:blip r:embed="rId5"/>
-          <a:stretch>
-            <a:fillRect/>
-          </a:stretch>
-        </p:blipFill>
-        <p:spPr>
-          <a:xfrm>
-            <a:off x="5182477" y="8054483"/>
-            <a:ext cx="1270000" cy="1270000"/>
-          </a:xfrm>
-          <a:prstGeom prst="rect">
-            <a:avLst/>
-          </a:prstGeom>
-        </p:spPr>
-      </p:pic>
-      <p:sp>
-        <p:nvSpPr>
-          <p:cNvPr id="25" name="テキスト ボックス 24">
-            <a:extLst>
-              <a:ext uri="{FF2B5EF4-FFF2-40B4-BE49-F238E27FC236}">
-                <a16:creationId xmlns:a16="http://schemas.microsoft.com/office/drawing/2014/main" id="{FCB22E93-6ABB-B243-AA11-1371206530D6}"/>
-              </a:ext>
-            </a:extLst>
-          </p:cNvPr>
-          <p:cNvSpPr txBox="1"/>
-          <p:nvPr/>
-        </p:nvSpPr>
-        <p:spPr>
-          <a:xfrm>
-            <a:off x="5360277" y="9324483"/>
-            <a:ext cx="914400" cy="369332"/>
-          </a:xfrm>
-          <a:prstGeom prst="rect">
-            <a:avLst/>
-          </a:prstGeom>
-          <a:noFill/>
-        </p:spPr>
-        <p:txBody>
-          <a:bodyPr wrap="square" rtlCol="0">
-            <a:spAutoFit/>
-          </a:bodyPr>
-          <a:lstStyle/>
-          <a:p>
-            <a:pPr algn="ctr"/>
-            <a:r>
-              <a:rPr kumimoji="1" lang="en-US" altLang="ja-JP"/>
-              <a:t>id = 5</a:t>
-            </a:r>
-            <a:endParaRPr kumimoji="1" lang="ja-JP" altLang="en-US"/>
-          </a:p>
-        </p:txBody>
-      </p:sp>
+        </p:grpSpPr>
+        <p:pic>
+          <p:nvPicPr>
+            <p:cNvPr id="10" name="図 9">
+              <a:extLst>
+                <a:ext uri="{FF2B5EF4-FFF2-40B4-BE49-F238E27FC236}">
+                  <a16:creationId xmlns:a16="http://schemas.microsoft.com/office/drawing/2014/main" id="{0EBCF62E-05CD-AA4D-B3FE-6DF217BAA37B}"/>
+                </a:ext>
+              </a:extLst>
+            </p:cNvPr>
+            <p:cNvPicPr>
+              <a:picLocks noChangeAspect="1"/>
+            </p:cNvPicPr>
+            <p:nvPr/>
+          </p:nvPicPr>
+          <p:blipFill>
+            <a:blip r:embed="rId5"/>
+            <a:stretch>
+              <a:fillRect/>
+            </a:stretch>
+          </p:blipFill>
+          <p:spPr>
+            <a:xfrm>
+              <a:off x="5360277" y="8054483"/>
+              <a:ext cx="1270000" cy="1270000"/>
+            </a:xfrm>
+            <a:prstGeom prst="rect">
+              <a:avLst/>
+            </a:prstGeom>
+          </p:spPr>
+        </p:pic>
+        <p:sp>
+          <p:nvSpPr>
+            <p:cNvPr id="11" name="テキスト ボックス 10">
+              <a:extLst>
+                <a:ext uri="{FF2B5EF4-FFF2-40B4-BE49-F238E27FC236}">
+                  <a16:creationId xmlns:a16="http://schemas.microsoft.com/office/drawing/2014/main" id="{BCD321EA-DD34-6343-A57D-C56B0AD6515F}"/>
+                </a:ext>
+              </a:extLst>
+            </p:cNvPr>
+            <p:cNvSpPr txBox="1"/>
+            <p:nvPr/>
+          </p:nvSpPr>
+          <p:spPr>
+            <a:xfrm>
+              <a:off x="5538077" y="9324483"/>
+              <a:ext cx="914400" cy="369332"/>
+            </a:xfrm>
+            <a:prstGeom prst="rect">
+              <a:avLst/>
+            </a:prstGeom>
+            <a:noFill/>
+          </p:spPr>
+          <p:txBody>
+            <a:bodyPr wrap="square" rtlCol="0">
+              <a:spAutoFit/>
+            </a:bodyPr>
+            <a:lstStyle/>
+            <a:p>
+              <a:pPr algn="ctr"/>
+              <a:r>
+                <a:rPr kumimoji="1" lang="en-US" altLang="ja-JP"/>
+                <a:t>id = 1</a:t>
+              </a:r>
+            </a:p>
+          </p:txBody>
+        </p:sp>
+      </p:grpSp>
     </p:spTree>
     <p:extLst>
       <p:ext uri="{BB962C8B-B14F-4D97-AF65-F5344CB8AC3E}">
@@ -3545,72 +3628,445 @@
           <a:chExt cx="0" cy="0"/>
         </a:xfrm>
       </p:grpSpPr>
-      <p:pic>
-        <p:nvPicPr>
-          <p:cNvPr id="5" name="図 4">
+      <p:grpSp>
+        <p:nvGrpSpPr>
+          <p:cNvPr id="3" name="グループ化 2">
             <a:extLst>
               <a:ext uri="{FF2B5EF4-FFF2-40B4-BE49-F238E27FC236}">
-                <a16:creationId xmlns:a16="http://schemas.microsoft.com/office/drawing/2014/main" id="{BA97035E-3E57-DB40-AA87-F0FAC301AF78}"/>
+                <a16:creationId xmlns:a16="http://schemas.microsoft.com/office/drawing/2014/main" id="{AFE468C4-20E4-A841-ADB8-CD49A914A896}"/>
               </a:ext>
             </a:extLst>
           </p:cNvPr>
-          <p:cNvPicPr>
-            <a:picLocks noChangeAspect="1"/>
-          </p:cNvPicPr>
+          <p:cNvGrpSpPr/>
           <p:nvPr/>
-        </p:nvPicPr>
-        <p:blipFill>
-          <a:blip r:embed="rId2"/>
-          <a:stretch>
-            <a:fillRect/>
-          </a:stretch>
-        </p:blipFill>
-        <p:spPr>
+        </p:nvGrpSpPr>
+        <p:grpSpPr>
           <a:xfrm>
             <a:off x="523240" y="477520"/>
-            <a:ext cx="1270000" cy="1270000"/>
+            <a:ext cx="1270000" cy="1639332"/>
+            <a:chOff x="523240" y="477520"/>
+            <a:chExt cx="1270000" cy="1639332"/>
           </a:xfrm>
-          <a:prstGeom prst="rect">
-            <a:avLst/>
-          </a:prstGeom>
-        </p:spPr>
-      </p:pic>
-      <p:sp>
-        <p:nvSpPr>
-          <p:cNvPr id="6" name="テキスト ボックス 5">
+        </p:grpSpPr>
+        <p:pic>
+          <p:nvPicPr>
+            <p:cNvPr id="5" name="図 4">
+              <a:extLst>
+                <a:ext uri="{FF2B5EF4-FFF2-40B4-BE49-F238E27FC236}">
+                  <a16:creationId xmlns:a16="http://schemas.microsoft.com/office/drawing/2014/main" id="{BA97035E-3E57-DB40-AA87-F0FAC301AF78}"/>
+                </a:ext>
+              </a:extLst>
+            </p:cNvPr>
+            <p:cNvPicPr>
+              <a:picLocks noChangeAspect="1"/>
+            </p:cNvPicPr>
+            <p:nvPr/>
+          </p:nvPicPr>
+          <p:blipFill>
+            <a:blip r:embed="rId2"/>
+            <a:stretch>
+              <a:fillRect/>
+            </a:stretch>
+          </p:blipFill>
+          <p:spPr>
+            <a:xfrm>
+              <a:off x="523240" y="477520"/>
+              <a:ext cx="1270000" cy="1270000"/>
+            </a:xfrm>
+            <a:prstGeom prst="rect">
+              <a:avLst/>
+            </a:prstGeom>
+          </p:spPr>
+        </p:pic>
+        <p:sp>
+          <p:nvSpPr>
+            <p:cNvPr id="6" name="テキスト ボックス 5">
+              <a:extLst>
+                <a:ext uri="{FF2B5EF4-FFF2-40B4-BE49-F238E27FC236}">
+                  <a16:creationId xmlns:a16="http://schemas.microsoft.com/office/drawing/2014/main" id="{3F2A969E-4342-E545-A415-AEC3DF40E666}"/>
+                </a:ext>
+              </a:extLst>
+            </p:cNvPr>
+            <p:cNvSpPr txBox="1"/>
+            <p:nvPr/>
+          </p:nvSpPr>
+          <p:spPr>
+            <a:xfrm>
+              <a:off x="701040" y="1747520"/>
+              <a:ext cx="914400" cy="369332"/>
+            </a:xfrm>
+            <a:prstGeom prst="rect">
+              <a:avLst/>
+            </a:prstGeom>
+            <a:noFill/>
+          </p:spPr>
+          <p:txBody>
+            <a:bodyPr wrap="square" rtlCol="0">
+              <a:spAutoFit/>
+            </a:bodyPr>
+            <a:lstStyle/>
+            <a:p>
+              <a:pPr algn="ctr"/>
+              <a:r>
+                <a:rPr kumimoji="1" lang="en-US" altLang="ja-JP"/>
+                <a:t>id = 1</a:t>
+              </a:r>
+            </a:p>
+          </p:txBody>
+        </p:sp>
+      </p:grpSp>
+      <p:grpSp>
+        <p:nvGrpSpPr>
+          <p:cNvPr id="2" name="グループ化 1">
             <a:extLst>
               <a:ext uri="{FF2B5EF4-FFF2-40B4-BE49-F238E27FC236}">
-                <a16:creationId xmlns:a16="http://schemas.microsoft.com/office/drawing/2014/main" id="{3F2A969E-4342-E545-A415-AEC3DF40E666}"/>
+                <a16:creationId xmlns:a16="http://schemas.microsoft.com/office/drawing/2014/main" id="{7C00DF3D-4555-1748-A4C5-BFE2099F0164}"/>
               </a:ext>
             </a:extLst>
           </p:cNvPr>
-          <p:cNvSpPr txBox="1"/>
+          <p:cNvGrpSpPr/>
           <p:nvPr/>
-        </p:nvSpPr>
-        <p:spPr>
+        </p:nvGrpSpPr>
+        <p:grpSpPr>
           <a:xfrm>
-            <a:off x="701040" y="108188"/>
-            <a:ext cx="914400" cy="369332"/>
+            <a:off x="523240" y="8027575"/>
+            <a:ext cx="1270000" cy="1639332"/>
+            <a:chOff x="5182477" y="8054483"/>
+            <a:chExt cx="1270000" cy="1639332"/>
           </a:xfrm>
-          <a:prstGeom prst="rect">
-            <a:avLst/>
-          </a:prstGeom>
-          <a:noFill/>
-        </p:spPr>
-        <p:txBody>
-          <a:bodyPr wrap="square" rtlCol="0">
-            <a:spAutoFit/>
-          </a:bodyPr>
-          <a:lstStyle/>
-          <a:p>
-            <a:pPr algn="ctr"/>
-            <a:r>
-              <a:rPr kumimoji="1" lang="en-US" altLang="ja-JP"/>
-              <a:t>id = 1</a:t>
-            </a:r>
-          </a:p>
-        </p:txBody>
-      </p:sp>
+        </p:grpSpPr>
+        <p:pic>
+          <p:nvPicPr>
+            <p:cNvPr id="4" name="図 3">
+              <a:extLst>
+                <a:ext uri="{FF2B5EF4-FFF2-40B4-BE49-F238E27FC236}">
+                  <a16:creationId xmlns:a16="http://schemas.microsoft.com/office/drawing/2014/main" id="{00DE4CFC-817D-B64E-AF9F-8B5A3580F5A0}"/>
+                </a:ext>
+              </a:extLst>
+            </p:cNvPr>
+            <p:cNvPicPr>
+              <a:picLocks noChangeAspect="1"/>
+            </p:cNvPicPr>
+            <p:nvPr/>
+          </p:nvPicPr>
+          <p:blipFill>
+            <a:blip r:embed="rId3"/>
+            <a:stretch>
+              <a:fillRect/>
+            </a:stretch>
+          </p:blipFill>
+          <p:spPr>
+            <a:xfrm>
+              <a:off x="5182477" y="8054483"/>
+              <a:ext cx="1270000" cy="1270000"/>
+            </a:xfrm>
+            <a:prstGeom prst="rect">
+              <a:avLst/>
+            </a:prstGeom>
+          </p:spPr>
+        </p:pic>
+        <p:sp>
+          <p:nvSpPr>
+            <p:cNvPr id="7" name="テキスト ボックス 6">
+              <a:extLst>
+                <a:ext uri="{FF2B5EF4-FFF2-40B4-BE49-F238E27FC236}">
+                  <a16:creationId xmlns:a16="http://schemas.microsoft.com/office/drawing/2014/main" id="{150844BA-D7D8-DB4B-A556-EB00A0C9DBE1}"/>
+                </a:ext>
+              </a:extLst>
+            </p:cNvPr>
+            <p:cNvSpPr txBox="1"/>
+            <p:nvPr/>
+          </p:nvSpPr>
+          <p:spPr>
+            <a:xfrm>
+              <a:off x="5360277" y="9324483"/>
+              <a:ext cx="914400" cy="369332"/>
+            </a:xfrm>
+            <a:prstGeom prst="rect">
+              <a:avLst/>
+            </a:prstGeom>
+            <a:noFill/>
+          </p:spPr>
+          <p:txBody>
+            <a:bodyPr wrap="square" rtlCol="0">
+              <a:spAutoFit/>
+            </a:bodyPr>
+            <a:lstStyle/>
+            <a:p>
+              <a:pPr algn="ctr"/>
+              <a:r>
+                <a:rPr kumimoji="1" lang="en-US" altLang="ja-JP"/>
+                <a:t>id = 5</a:t>
+              </a:r>
+              <a:endParaRPr kumimoji="1" lang="ja-JP" altLang="en-US"/>
+            </a:p>
+          </p:txBody>
+        </p:sp>
+      </p:grpSp>
+      <p:grpSp>
+        <p:nvGrpSpPr>
+          <p:cNvPr id="16" name="グループ化 15">
+            <a:extLst>
+              <a:ext uri="{FF2B5EF4-FFF2-40B4-BE49-F238E27FC236}">
+                <a16:creationId xmlns:a16="http://schemas.microsoft.com/office/drawing/2014/main" id="{953EDCC4-0930-3A47-843F-3FBDF0E89769}"/>
+              </a:ext>
+            </a:extLst>
+          </p:cNvPr>
+          <p:cNvGrpSpPr/>
+          <p:nvPr/>
+        </p:nvGrpSpPr>
+        <p:grpSpPr>
+          <a:xfrm>
+            <a:off x="523240" y="2197854"/>
+            <a:ext cx="1270000" cy="1639332"/>
+            <a:chOff x="405523" y="581517"/>
+            <a:chExt cx="1270000" cy="1639332"/>
+          </a:xfrm>
+        </p:grpSpPr>
+        <p:sp>
+          <p:nvSpPr>
+            <p:cNvPr id="17" name="テキスト ボックス 16">
+              <a:extLst>
+                <a:ext uri="{FF2B5EF4-FFF2-40B4-BE49-F238E27FC236}">
+                  <a16:creationId xmlns:a16="http://schemas.microsoft.com/office/drawing/2014/main" id="{38B46FA1-F4BE-E442-AF6F-EC5C4E6EE043}"/>
+                </a:ext>
+              </a:extLst>
+            </p:cNvPr>
+            <p:cNvSpPr txBox="1"/>
+            <p:nvPr/>
+          </p:nvSpPr>
+          <p:spPr>
+            <a:xfrm>
+              <a:off x="583323" y="1851517"/>
+              <a:ext cx="914400" cy="369332"/>
+            </a:xfrm>
+            <a:prstGeom prst="rect">
+              <a:avLst/>
+            </a:prstGeom>
+            <a:noFill/>
+          </p:spPr>
+          <p:txBody>
+            <a:bodyPr wrap="square" rtlCol="0">
+              <a:spAutoFit/>
+            </a:bodyPr>
+            <a:lstStyle/>
+            <a:p>
+              <a:pPr algn="ctr"/>
+              <a:r>
+                <a:rPr kumimoji="1" lang="en-US" altLang="ja-JP"/>
+                <a:t>id = 2</a:t>
+              </a:r>
+              <a:endParaRPr kumimoji="1" lang="ja-JP" altLang="en-US"/>
+            </a:p>
+          </p:txBody>
+        </p:sp>
+        <p:pic>
+          <p:nvPicPr>
+            <p:cNvPr id="18" name="図 17">
+              <a:extLst>
+                <a:ext uri="{FF2B5EF4-FFF2-40B4-BE49-F238E27FC236}">
+                  <a16:creationId xmlns:a16="http://schemas.microsoft.com/office/drawing/2014/main" id="{EDEF62F8-F8B5-7D4E-A7C9-D48A6B9E41CE}"/>
+                </a:ext>
+              </a:extLst>
+            </p:cNvPr>
+            <p:cNvPicPr>
+              <a:picLocks noChangeAspect="1"/>
+            </p:cNvPicPr>
+            <p:nvPr/>
+          </p:nvPicPr>
+          <p:blipFill>
+            <a:blip r:embed="rId4"/>
+            <a:stretch>
+              <a:fillRect/>
+            </a:stretch>
+          </p:blipFill>
+          <p:spPr>
+            <a:xfrm>
+              <a:off x="405523" y="581517"/>
+              <a:ext cx="1270000" cy="1270000"/>
+            </a:xfrm>
+            <a:prstGeom prst="rect">
+              <a:avLst/>
+            </a:prstGeom>
+          </p:spPr>
+        </p:pic>
+      </p:grpSp>
+      <p:grpSp>
+        <p:nvGrpSpPr>
+          <p:cNvPr id="19" name="グループ化 18">
+            <a:extLst>
+              <a:ext uri="{FF2B5EF4-FFF2-40B4-BE49-F238E27FC236}">
+                <a16:creationId xmlns:a16="http://schemas.microsoft.com/office/drawing/2014/main" id="{91AF28F9-FF04-3649-BC98-EEE105600FED}"/>
+              </a:ext>
+            </a:extLst>
+          </p:cNvPr>
+          <p:cNvGrpSpPr/>
+          <p:nvPr/>
+        </p:nvGrpSpPr>
+        <p:grpSpPr>
+          <a:xfrm>
+            <a:off x="523240" y="4114800"/>
+            <a:ext cx="1270000" cy="1676400"/>
+            <a:chOff x="5360277" y="581517"/>
+            <a:chExt cx="1270000" cy="1676400"/>
+          </a:xfrm>
+        </p:grpSpPr>
+        <p:pic>
+          <p:nvPicPr>
+            <p:cNvPr id="20" name="図 19">
+              <a:extLst>
+                <a:ext uri="{FF2B5EF4-FFF2-40B4-BE49-F238E27FC236}">
+                  <a16:creationId xmlns:a16="http://schemas.microsoft.com/office/drawing/2014/main" id="{F26AF7DD-9A20-FF42-A3C0-41E3E290EFFF}"/>
+                </a:ext>
+              </a:extLst>
+            </p:cNvPr>
+            <p:cNvPicPr>
+              <a:picLocks noChangeAspect="1"/>
+            </p:cNvPicPr>
+            <p:nvPr/>
+          </p:nvPicPr>
+          <p:blipFill>
+            <a:blip r:embed="rId5"/>
+            <a:stretch>
+              <a:fillRect/>
+            </a:stretch>
+          </p:blipFill>
+          <p:spPr>
+            <a:xfrm>
+              <a:off x="5360277" y="581517"/>
+              <a:ext cx="1270000" cy="1270000"/>
+            </a:xfrm>
+            <a:prstGeom prst="rect">
+              <a:avLst/>
+            </a:prstGeom>
+          </p:spPr>
+        </p:pic>
+        <p:sp>
+          <p:nvSpPr>
+            <p:cNvPr id="21" name="テキスト ボックス 20">
+              <a:extLst>
+                <a:ext uri="{FF2B5EF4-FFF2-40B4-BE49-F238E27FC236}">
+                  <a16:creationId xmlns:a16="http://schemas.microsoft.com/office/drawing/2014/main" id="{99EAB306-902C-964C-93F9-81040ACFC559}"/>
+                </a:ext>
+              </a:extLst>
+            </p:cNvPr>
+            <p:cNvSpPr txBox="1"/>
+            <p:nvPr/>
+          </p:nvSpPr>
+          <p:spPr>
+            <a:xfrm>
+              <a:off x="5538077" y="1888585"/>
+              <a:ext cx="914400" cy="369332"/>
+            </a:xfrm>
+            <a:prstGeom prst="rect">
+              <a:avLst/>
+            </a:prstGeom>
+            <a:noFill/>
+          </p:spPr>
+          <p:txBody>
+            <a:bodyPr wrap="square" rtlCol="0">
+              <a:spAutoFit/>
+            </a:bodyPr>
+            <a:lstStyle/>
+            <a:p>
+              <a:pPr algn="ctr"/>
+              <a:r>
+                <a:rPr kumimoji="1" lang="en-US" altLang="ja-JP"/>
+                <a:t>id = 3</a:t>
+              </a:r>
+              <a:endParaRPr kumimoji="1" lang="ja-JP" altLang="en-US"/>
+            </a:p>
+          </p:txBody>
+        </p:sp>
+      </p:grpSp>
+      <p:grpSp>
+        <p:nvGrpSpPr>
+          <p:cNvPr id="22" name="グループ化 21">
+            <a:extLst>
+              <a:ext uri="{FF2B5EF4-FFF2-40B4-BE49-F238E27FC236}">
+                <a16:creationId xmlns:a16="http://schemas.microsoft.com/office/drawing/2014/main" id="{CFE346BC-464E-8E48-BBB9-BF58DBD054C9}"/>
+              </a:ext>
+            </a:extLst>
+          </p:cNvPr>
+          <p:cNvGrpSpPr/>
+          <p:nvPr/>
+        </p:nvGrpSpPr>
+        <p:grpSpPr>
+          <a:xfrm>
+            <a:off x="523240" y="6031746"/>
+            <a:ext cx="1270000" cy="1639332"/>
+            <a:chOff x="405523" y="8054483"/>
+            <a:chExt cx="1270000" cy="1639332"/>
+          </a:xfrm>
+        </p:grpSpPr>
+        <p:pic>
+          <p:nvPicPr>
+            <p:cNvPr id="23" name="図 22">
+              <a:extLst>
+                <a:ext uri="{FF2B5EF4-FFF2-40B4-BE49-F238E27FC236}">
+                  <a16:creationId xmlns:a16="http://schemas.microsoft.com/office/drawing/2014/main" id="{5656E40E-F256-E148-B80A-B8D302DD1804}"/>
+                </a:ext>
+              </a:extLst>
+            </p:cNvPr>
+            <p:cNvPicPr>
+              <a:picLocks noChangeAspect="1"/>
+            </p:cNvPicPr>
+            <p:nvPr/>
+          </p:nvPicPr>
+          <p:blipFill>
+            <a:blip r:embed="rId6"/>
+            <a:stretch>
+              <a:fillRect/>
+            </a:stretch>
+          </p:blipFill>
+          <p:spPr>
+            <a:xfrm>
+              <a:off x="405523" y="8054483"/>
+              <a:ext cx="1270000" cy="1270000"/>
+            </a:xfrm>
+            <a:prstGeom prst="rect">
+              <a:avLst/>
+            </a:prstGeom>
+          </p:spPr>
+        </p:pic>
+        <p:sp>
+          <p:nvSpPr>
+            <p:cNvPr id="24" name="テキスト ボックス 23">
+              <a:extLst>
+                <a:ext uri="{FF2B5EF4-FFF2-40B4-BE49-F238E27FC236}">
+                  <a16:creationId xmlns:a16="http://schemas.microsoft.com/office/drawing/2014/main" id="{23A5C1F4-3F1D-A540-8CAD-C2E43EE43EEE}"/>
+                </a:ext>
+              </a:extLst>
+            </p:cNvPr>
+            <p:cNvSpPr txBox="1"/>
+            <p:nvPr/>
+          </p:nvSpPr>
+          <p:spPr>
+            <a:xfrm>
+              <a:off x="583323" y="9324483"/>
+              <a:ext cx="914400" cy="369332"/>
+            </a:xfrm>
+            <a:prstGeom prst="rect">
+              <a:avLst/>
+            </a:prstGeom>
+            <a:noFill/>
+          </p:spPr>
+          <p:txBody>
+            <a:bodyPr wrap="square" rtlCol="0">
+              <a:spAutoFit/>
+            </a:bodyPr>
+            <a:lstStyle/>
+            <a:p>
+              <a:pPr algn="ctr"/>
+              <a:r>
+                <a:rPr kumimoji="1" lang="en-US" altLang="ja-JP"/>
+                <a:t>id = 4</a:t>
+              </a:r>
+              <a:endParaRPr kumimoji="1" lang="ja-JP" altLang="en-US"/>
+            </a:p>
+          </p:txBody>
+        </p:sp>
+      </p:grpSp>
     </p:spTree>
     <p:extLst>
       <p:ext uri="{BB962C8B-B14F-4D97-AF65-F5344CB8AC3E}">
